--- a/Custom Controls WPF/Ресурсы/Кнопки.pptx
+++ b/Custom Controls WPF/Ресурсы/Кнопки.pptx
@@ -6,6 +6,8 @@
   </p:sldMasterIdLst>
   <p:sldIdLst>
     <p:sldId id="256" r:id="rId2"/>
+    <p:sldId id="257" r:id="rId3"/>
+    <p:sldId id="258" r:id="rId4"/>
   </p:sldIdLst>
   <p:sldSz cx="12192000" cy="6858000"/>
   <p:notesSz cx="6858000" cy="9144000"/>
@@ -104,7 +106,183 @@
       </a:defRPr>
     </a:lvl9pPr>
   </p:defaultTextStyle>
+  <p:extLst>
+    <p:ext uri="{EFAFB233-063F-42B5-8137-9DF3F51BA10A}">
+      <p15:sldGuideLst xmlns:p15="http://schemas.microsoft.com/office/powerpoint/2012/main"/>
+    </p:ext>
+  </p:extLst>
 </p:presentation>
+</file>
+
+<file path=ppt/revisionInfo.xml><?xml version="1.0" encoding="utf-8"?>
+<p1510:revInfo xmlns:a="http://schemas.openxmlformats.org/drawingml/2006/main" xmlns:r="http://schemas.openxmlformats.org/officeDocument/2006/relationships" xmlns:p1510="http://schemas.microsoft.com/office/powerpoint/2015/10/main">
+  <p1510:revLst>
+    <p1510:client id="{E883C7C9-DE8A-497D-B437-2D16A5B15C13}" v="2" dt="2024-02-25T14:52:24.822"/>
+  </p1510:revLst>
+</p1510:revInfo>
+</file>
+
+<file path=ppt/changesInfos/changesInfo1.xml><?xml version="1.0" encoding="utf-8"?>
+<pc:chgInfo xmlns:a="http://schemas.openxmlformats.org/drawingml/2006/main" xmlns:r="http://schemas.openxmlformats.org/officeDocument/2006/relationships" xmlns:ac="http://schemas.microsoft.com/office/drawing/2013/main/command" xmlns:pc="http://schemas.microsoft.com/office/powerpoint/2013/main/command">
+  <pc:docChgLst>
+    <pc:chgData name="Александр Чайковский" userId="d27dd8466775ba4b" providerId="LiveId" clId="{E883C7C9-DE8A-497D-B437-2D16A5B15C13}"/>
+    <pc:docChg chg="undo custSel addSld modSld">
+      <pc:chgData name="Александр Чайковский" userId="d27dd8466775ba4b" providerId="LiveId" clId="{E883C7C9-DE8A-497D-B437-2D16A5B15C13}" dt="2024-02-25T14:53:22" v="182" actId="478"/>
+      <pc:docMkLst>
+        <pc:docMk/>
+      </pc:docMkLst>
+      <pc:sldChg chg="modSp mod">
+        <pc:chgData name="Александр Чайковский" userId="d27dd8466775ba4b" providerId="LiveId" clId="{E883C7C9-DE8A-497D-B437-2D16A5B15C13}" dt="2024-02-25T14:15:25.821" v="164" actId="1076"/>
+        <pc:sldMkLst>
+          <pc:docMk/>
+          <pc:sldMk cId="2722180827" sldId="256"/>
+        </pc:sldMkLst>
+        <pc:spChg chg="mod">
+          <ac:chgData name="Александр Чайковский" userId="d27dd8466775ba4b" providerId="LiveId" clId="{E883C7C9-DE8A-497D-B437-2D16A5B15C13}" dt="2024-02-25T14:15:25.821" v="164" actId="1076"/>
+          <ac:spMkLst>
+            <pc:docMk/>
+            <pc:sldMk cId="2722180827" sldId="256"/>
+            <ac:spMk id="6" creationId="{C0EBB891-CC01-29D2-D2B7-32AEBF3F59BA}"/>
+          </ac:spMkLst>
+        </pc:spChg>
+        <pc:spChg chg="mod">
+          <ac:chgData name="Александр Чайковский" userId="d27dd8466775ba4b" providerId="LiveId" clId="{E883C7C9-DE8A-497D-B437-2D16A5B15C13}" dt="2024-02-25T14:15:25.821" v="164" actId="1076"/>
+          <ac:spMkLst>
+            <pc:docMk/>
+            <pc:sldMk cId="2722180827" sldId="256"/>
+            <ac:spMk id="11" creationId="{52554784-408E-0372-B40A-CE69D89D711F}"/>
+          </ac:spMkLst>
+        </pc:spChg>
+        <pc:grpChg chg="mod">
+          <ac:chgData name="Александр Чайковский" userId="d27dd8466775ba4b" providerId="LiveId" clId="{E883C7C9-DE8A-497D-B437-2D16A5B15C13}" dt="2024-02-25T14:15:25.821" v="164" actId="1076"/>
+          <ac:grpSpMkLst>
+            <pc:docMk/>
+            <pc:sldMk cId="2722180827" sldId="256"/>
+            <ac:grpSpMk id="7" creationId="{992D1612-364C-A164-74BB-D962E56FE2D3}"/>
+          </ac:grpSpMkLst>
+        </pc:grpChg>
+        <pc:grpChg chg="mod">
+          <ac:chgData name="Александр Чайковский" userId="d27dd8466775ba4b" providerId="LiveId" clId="{E883C7C9-DE8A-497D-B437-2D16A5B15C13}" dt="2024-02-25T14:15:25.821" v="164" actId="1076"/>
+          <ac:grpSpMkLst>
+            <pc:docMk/>
+            <pc:sldMk cId="2722180827" sldId="256"/>
+            <ac:grpSpMk id="8" creationId="{EE95AA7F-38F1-AF6F-945D-9330BB08982C}"/>
+          </ac:grpSpMkLst>
+        </pc:grpChg>
+      </pc:sldChg>
+      <pc:sldChg chg="addSp delSp modSp new mod">
+        <pc:chgData name="Александр Чайковский" userId="d27dd8466775ba4b" providerId="LiveId" clId="{E883C7C9-DE8A-497D-B437-2D16A5B15C13}" dt="2024-02-25T14:15:12.605" v="162" actId="1076"/>
+        <pc:sldMkLst>
+          <pc:docMk/>
+          <pc:sldMk cId="1660918418" sldId="257"/>
+        </pc:sldMkLst>
+        <pc:spChg chg="del">
+          <ac:chgData name="Александр Чайковский" userId="d27dd8466775ba4b" providerId="LiveId" clId="{E883C7C9-DE8A-497D-B437-2D16A5B15C13}" dt="2024-02-25T14:04:34.172" v="1" actId="478"/>
+          <ac:spMkLst>
+            <pc:docMk/>
+            <pc:sldMk cId="1660918418" sldId="257"/>
+            <ac:spMk id="2" creationId="{5C8ECFA0-4353-601D-7603-875013C6114C}"/>
+          </ac:spMkLst>
+        </pc:spChg>
+        <pc:spChg chg="del">
+          <ac:chgData name="Александр Чайковский" userId="d27dd8466775ba4b" providerId="LiveId" clId="{E883C7C9-DE8A-497D-B437-2D16A5B15C13}" dt="2024-02-25T14:04:34.172" v="1" actId="478"/>
+          <ac:spMkLst>
+            <pc:docMk/>
+            <pc:sldMk cId="1660918418" sldId="257"/>
+            <ac:spMk id="3" creationId="{4B22DE05-7FB3-B6F3-5AF4-DB6357C8026E}"/>
+          </ac:spMkLst>
+        </pc:spChg>
+        <pc:spChg chg="add mod">
+          <ac:chgData name="Александр Чайковский" userId="d27dd8466775ba4b" providerId="LiveId" clId="{E883C7C9-DE8A-497D-B437-2D16A5B15C13}" dt="2024-02-25T14:15:04.956" v="161" actId="164"/>
+          <ac:spMkLst>
+            <pc:docMk/>
+            <pc:sldMk cId="1660918418" sldId="257"/>
+            <ac:spMk id="4" creationId="{E75F5BC2-C9F7-7C4D-F507-1708E677FA57}"/>
+          </ac:spMkLst>
+        </pc:spChg>
+        <pc:spChg chg="add mod">
+          <ac:chgData name="Александр Чайковский" userId="d27dd8466775ba4b" providerId="LiveId" clId="{E883C7C9-DE8A-497D-B437-2D16A5B15C13}" dt="2024-02-25T14:15:04.956" v="161" actId="164"/>
+          <ac:spMkLst>
+            <pc:docMk/>
+            <pc:sldMk cId="1660918418" sldId="257"/>
+            <ac:spMk id="5" creationId="{2422299C-0F5D-B74D-2D5E-FA35D850CC65}"/>
+          </ac:spMkLst>
+        </pc:spChg>
+        <pc:grpChg chg="add mod">
+          <ac:chgData name="Александр Чайковский" userId="d27dd8466775ba4b" providerId="LiveId" clId="{E883C7C9-DE8A-497D-B437-2D16A5B15C13}" dt="2024-02-25T14:15:12.605" v="162" actId="1076"/>
+          <ac:grpSpMkLst>
+            <pc:docMk/>
+            <pc:sldMk cId="1660918418" sldId="257"/>
+            <ac:grpSpMk id="6" creationId="{729E461E-CBD8-A1D0-3FB4-BA1922FFA971}"/>
+          </ac:grpSpMkLst>
+        </pc:grpChg>
+      </pc:sldChg>
+      <pc:sldChg chg="addSp delSp modSp new mod">
+        <pc:chgData name="Александр Чайковский" userId="d27dd8466775ba4b" providerId="LiveId" clId="{E883C7C9-DE8A-497D-B437-2D16A5B15C13}" dt="2024-02-25T14:53:22" v="182" actId="478"/>
+        <pc:sldMkLst>
+          <pc:docMk/>
+          <pc:sldMk cId="162419900" sldId="258"/>
+        </pc:sldMkLst>
+        <pc:spChg chg="del">
+          <ac:chgData name="Александр Чайковский" userId="d27dd8466775ba4b" providerId="LiveId" clId="{E883C7C9-DE8A-497D-B437-2D16A5B15C13}" dt="2024-02-25T14:49:25.330" v="166" actId="478"/>
+          <ac:spMkLst>
+            <pc:docMk/>
+            <pc:sldMk cId="162419900" sldId="258"/>
+            <ac:spMk id="2" creationId="{99DD4AB4-1993-9587-AA2A-CA3451B1DB11}"/>
+          </ac:spMkLst>
+        </pc:spChg>
+        <pc:spChg chg="del">
+          <ac:chgData name="Александр Чайковский" userId="d27dd8466775ba4b" providerId="LiveId" clId="{E883C7C9-DE8A-497D-B437-2D16A5B15C13}" dt="2024-02-25T14:49:25.330" v="166" actId="478"/>
+          <ac:spMkLst>
+            <pc:docMk/>
+            <pc:sldMk cId="162419900" sldId="258"/>
+            <ac:spMk id="3" creationId="{9B5395B5-6087-93F0-2D1C-B968D24FEB5F}"/>
+          </ac:spMkLst>
+        </pc:spChg>
+        <pc:spChg chg="add del">
+          <ac:chgData name="Александр Чайковский" userId="d27dd8466775ba4b" providerId="LiveId" clId="{E883C7C9-DE8A-497D-B437-2D16A5B15C13}" dt="2024-02-25T14:51:40.250" v="168" actId="478"/>
+          <ac:spMkLst>
+            <pc:docMk/>
+            <pc:sldMk cId="162419900" sldId="258"/>
+            <ac:spMk id="4" creationId="{8FD7CA3E-7870-635B-F9C1-F908DC6F3F1C}"/>
+          </ac:spMkLst>
+        </pc:spChg>
+        <pc:spChg chg="add del mod">
+          <ac:chgData name="Александр Чайковский" userId="d27dd8466775ba4b" providerId="LiveId" clId="{E883C7C9-DE8A-497D-B437-2D16A5B15C13}" dt="2024-02-25T14:53:22" v="182" actId="478"/>
+          <ac:spMkLst>
+            <pc:docMk/>
+            <pc:sldMk cId="162419900" sldId="258"/>
+            <ac:spMk id="5" creationId="{E92589E5-ABA4-8A93-BC2B-EEEE9A8C199A}"/>
+          </ac:spMkLst>
+        </pc:spChg>
+        <pc:spChg chg="add del mod">
+          <ac:chgData name="Александр Чайковский" userId="d27dd8466775ba4b" providerId="LiveId" clId="{E883C7C9-DE8A-497D-B437-2D16A5B15C13}" dt="2024-02-25T14:52:27.050" v="172" actId="478"/>
+          <ac:spMkLst>
+            <pc:docMk/>
+            <pc:sldMk cId="162419900" sldId="258"/>
+            <ac:spMk id="6" creationId="{07FF05C1-7B87-0470-C3D9-14499E842320}"/>
+          </ac:spMkLst>
+        </pc:spChg>
+        <pc:spChg chg="add del mod">
+          <ac:chgData name="Александр Чайковский" userId="d27dd8466775ba4b" providerId="LiveId" clId="{E883C7C9-DE8A-497D-B437-2D16A5B15C13}" dt="2024-02-25T14:53:11.886" v="177" actId="478"/>
+          <ac:spMkLst>
+            <pc:docMk/>
+            <pc:sldMk cId="162419900" sldId="258"/>
+            <ac:spMk id="7" creationId="{F112BAFA-DD03-7ACE-DE4B-77EF5DAE09B4}"/>
+          </ac:spMkLst>
+        </pc:spChg>
+        <pc:spChg chg="add del mod">
+          <ac:chgData name="Александр Чайковский" userId="d27dd8466775ba4b" providerId="LiveId" clId="{E883C7C9-DE8A-497D-B437-2D16A5B15C13}" dt="2024-02-25T14:53:20.515" v="181" actId="478"/>
+          <ac:spMkLst>
+            <pc:docMk/>
+            <pc:sldMk cId="162419900" sldId="258"/>
+            <ac:spMk id="8" creationId="{AF5866C9-BE58-1686-5E2A-8593A4DC3F87}"/>
+          </ac:spMkLst>
+        </pc:spChg>
+      </pc:sldChg>
+    </pc:docChg>
+  </pc:docChgLst>
+</pc:chgInfo>
 </file>
 
 <file path=ppt/slideLayouts/slideLayout1.xml><?xml version="1.0" encoding="utf-8"?>
@@ -254,7 +432,7 @@
           <a:p>
             <a:fld id="{116C3BBA-68C1-44F3-AB7D-B0E3F69ED96D}" type="datetimeFigureOut">
               <a:rPr lang="ru-RU" smtClean="0"/>
-              <a:t>15.08.2023</a:t>
+              <a:t>25.02.2024</a:t>
             </a:fld>
             <a:endParaRPr lang="ru-RU"/>
           </a:p>
@@ -452,7 +630,7 @@
           <a:p>
             <a:fld id="{116C3BBA-68C1-44F3-AB7D-B0E3F69ED96D}" type="datetimeFigureOut">
               <a:rPr lang="ru-RU" smtClean="0"/>
-              <a:t>15.08.2023</a:t>
+              <a:t>25.02.2024</a:t>
             </a:fld>
             <a:endParaRPr lang="ru-RU"/>
           </a:p>
@@ -660,7 +838,7 @@
           <a:p>
             <a:fld id="{116C3BBA-68C1-44F3-AB7D-B0E3F69ED96D}" type="datetimeFigureOut">
               <a:rPr lang="ru-RU" smtClean="0"/>
-              <a:t>15.08.2023</a:t>
+              <a:t>25.02.2024</a:t>
             </a:fld>
             <a:endParaRPr lang="ru-RU"/>
           </a:p>
@@ -858,7 +1036,7 @@
           <a:p>
             <a:fld id="{116C3BBA-68C1-44F3-AB7D-B0E3F69ED96D}" type="datetimeFigureOut">
               <a:rPr lang="ru-RU" smtClean="0"/>
-              <a:t>15.08.2023</a:t>
+              <a:t>25.02.2024</a:t>
             </a:fld>
             <a:endParaRPr lang="ru-RU"/>
           </a:p>
@@ -1133,7 +1311,7 @@
           <a:p>
             <a:fld id="{116C3BBA-68C1-44F3-AB7D-B0E3F69ED96D}" type="datetimeFigureOut">
               <a:rPr lang="ru-RU" smtClean="0"/>
-              <a:t>15.08.2023</a:t>
+              <a:t>25.02.2024</a:t>
             </a:fld>
             <a:endParaRPr lang="ru-RU"/>
           </a:p>
@@ -1398,7 +1576,7 @@
           <a:p>
             <a:fld id="{116C3BBA-68C1-44F3-AB7D-B0E3F69ED96D}" type="datetimeFigureOut">
               <a:rPr lang="ru-RU" smtClean="0"/>
-              <a:t>15.08.2023</a:t>
+              <a:t>25.02.2024</a:t>
             </a:fld>
             <a:endParaRPr lang="ru-RU"/>
           </a:p>
@@ -1810,7 +1988,7 @@
           <a:p>
             <a:fld id="{116C3BBA-68C1-44F3-AB7D-B0E3F69ED96D}" type="datetimeFigureOut">
               <a:rPr lang="ru-RU" smtClean="0"/>
-              <a:t>15.08.2023</a:t>
+              <a:t>25.02.2024</a:t>
             </a:fld>
             <a:endParaRPr lang="ru-RU"/>
           </a:p>
@@ -1951,7 +2129,7 @@
           <a:p>
             <a:fld id="{116C3BBA-68C1-44F3-AB7D-B0E3F69ED96D}" type="datetimeFigureOut">
               <a:rPr lang="ru-RU" smtClean="0"/>
-              <a:t>15.08.2023</a:t>
+              <a:t>25.02.2024</a:t>
             </a:fld>
             <a:endParaRPr lang="ru-RU"/>
           </a:p>
@@ -2064,7 +2242,7 @@
           <a:p>
             <a:fld id="{116C3BBA-68C1-44F3-AB7D-B0E3F69ED96D}" type="datetimeFigureOut">
               <a:rPr lang="ru-RU" smtClean="0"/>
-              <a:t>15.08.2023</a:t>
+              <a:t>25.02.2024</a:t>
             </a:fld>
             <a:endParaRPr lang="ru-RU"/>
           </a:p>
@@ -2375,7 +2553,7 @@
           <a:p>
             <a:fld id="{116C3BBA-68C1-44F3-AB7D-B0E3F69ED96D}" type="datetimeFigureOut">
               <a:rPr lang="ru-RU" smtClean="0"/>
-              <a:t>15.08.2023</a:t>
+              <a:t>25.02.2024</a:t>
             </a:fld>
             <a:endParaRPr lang="ru-RU"/>
           </a:p>
@@ -2663,7 +2841,7 @@
           <a:p>
             <a:fld id="{116C3BBA-68C1-44F3-AB7D-B0E3F69ED96D}" type="datetimeFigureOut">
               <a:rPr lang="ru-RU" smtClean="0"/>
-              <a:t>15.08.2023</a:t>
+              <a:t>25.02.2024</a:t>
             </a:fld>
             <a:endParaRPr lang="ru-RU"/>
           </a:p>
@@ -2904,7 +3082,7 @@
           <a:p>
             <a:fld id="{116C3BBA-68C1-44F3-AB7D-B0E3F69ED96D}" type="datetimeFigureOut">
               <a:rPr lang="ru-RU" smtClean="0"/>
-              <a:t>15.08.2023</a:t>
+              <a:t>25.02.2024</a:t>
             </a:fld>
             <a:endParaRPr lang="ru-RU"/>
           </a:p>
@@ -3335,7 +3513,7 @@
         </p:nvGrpSpPr>
         <p:grpSpPr>
           <a:xfrm>
-            <a:off x="4197647" y="1781590"/>
+            <a:off x="6493172" y="2372140"/>
             <a:ext cx="1080000" cy="1080000"/>
             <a:chOff x="1756371" y="1911882"/>
             <a:chExt cx="1080000" cy="1080000"/>
@@ -3460,7 +3638,7 @@
         </p:nvSpPr>
         <p:spPr>
           <a:xfrm rot="5400000">
-            <a:off x="4197647" y="3329854"/>
+            <a:off x="6493172" y="3920404"/>
             <a:ext cx="1080000" cy="900000"/>
           </a:xfrm>
           <a:prstGeom prst="triangle">
@@ -3512,7 +3690,7 @@
         </p:nvGrpSpPr>
         <p:grpSpPr>
           <a:xfrm rot="10800000">
-            <a:off x="2729458" y="1781590"/>
+            <a:off x="5024983" y="2372140"/>
             <a:ext cx="1080000" cy="1080000"/>
             <a:chOff x="1756371" y="1911882"/>
             <a:chExt cx="1080000" cy="1080000"/>
@@ -3637,7 +3815,7 @@
         </p:nvSpPr>
         <p:spPr>
           <a:xfrm rot="16200000">
-            <a:off x="2819458" y="3329854"/>
+            <a:off x="5114983" y="3920404"/>
             <a:ext cx="1080000" cy="900000"/>
           </a:xfrm>
           <a:prstGeom prst="triangle">
@@ -3679,6 +3857,214 @@
     <p:extLst>
       <p:ext uri="{BB962C8B-B14F-4D97-AF65-F5344CB8AC3E}">
         <p14:creationId xmlns:p14="http://schemas.microsoft.com/office/powerpoint/2010/main" val="2722180827"/>
+      </p:ext>
+    </p:extLst>
+  </p:cSld>
+  <p:clrMapOvr>
+    <a:masterClrMapping/>
+  </p:clrMapOvr>
+</p:sld>
+</file>
+
+<file path=ppt/slides/slide2.xml><?xml version="1.0" encoding="utf-8"?>
+<p:sld xmlns:a="http://schemas.openxmlformats.org/drawingml/2006/main" xmlns:r="http://schemas.openxmlformats.org/officeDocument/2006/relationships" xmlns:p="http://schemas.openxmlformats.org/presentationml/2006/main">
+  <p:cSld>
+    <p:spTree>
+      <p:nvGrpSpPr>
+        <p:cNvPr id="1" name=""/>
+        <p:cNvGrpSpPr/>
+        <p:nvPr/>
+      </p:nvGrpSpPr>
+      <p:grpSpPr>
+        <a:xfrm>
+          <a:off x="0" y="0"/>
+          <a:ext cx="0" cy="0"/>
+          <a:chOff x="0" y="0"/>
+          <a:chExt cx="0" cy="0"/>
+        </a:xfrm>
+      </p:grpSpPr>
+      <p:grpSp>
+        <p:nvGrpSpPr>
+          <p:cNvPr id="6" name="Группа 5">
+            <a:extLst>
+              <a:ext uri="{FF2B5EF4-FFF2-40B4-BE49-F238E27FC236}">
+                <a16:creationId xmlns:a16="http://schemas.microsoft.com/office/drawing/2014/main" id="{729E461E-CBD8-A1D0-3FB4-BA1922FFA971}"/>
+              </a:ext>
+            </a:extLst>
+          </p:cNvPr>
+          <p:cNvGrpSpPr/>
+          <p:nvPr/>
+        </p:nvGrpSpPr>
+        <p:grpSpPr>
+          <a:xfrm>
+            <a:off x="5196000" y="2529000"/>
+            <a:ext cx="1800000" cy="1800000"/>
+            <a:chOff x="4593027" y="2462325"/>
+            <a:chExt cx="1800000" cy="1800000"/>
+          </a:xfrm>
+        </p:grpSpPr>
+        <p:sp>
+          <p:nvSpPr>
+            <p:cNvPr id="4" name="Прямоугольник 3">
+              <a:extLst>
+                <a:ext uri="{FF2B5EF4-FFF2-40B4-BE49-F238E27FC236}">
+                  <a16:creationId xmlns:a16="http://schemas.microsoft.com/office/drawing/2014/main" id="{E75F5BC2-C9F7-7C4D-F507-1708E677FA57}"/>
+                </a:ext>
+              </a:extLst>
+            </p:cNvPr>
+            <p:cNvSpPr/>
+            <p:nvPr/>
+          </p:nvSpPr>
+          <p:spPr>
+            <a:xfrm>
+              <a:off x="4593027" y="2462325"/>
+              <a:ext cx="1800000" cy="1800000"/>
+            </a:xfrm>
+            <a:prstGeom prst="rect">
+              <a:avLst/>
+            </a:prstGeom>
+            <a:pattFill prst="wdDnDiag">
+              <a:fgClr>
+                <a:srgbClr val="FF0000"/>
+              </a:fgClr>
+              <a:bgClr>
+                <a:schemeClr val="tx1"/>
+              </a:bgClr>
+            </a:pattFill>
+            <a:ln w="0"/>
+          </p:spPr>
+          <p:style>
+            <a:lnRef idx="2">
+              <a:schemeClr val="accent1">
+                <a:shade val="15000"/>
+              </a:schemeClr>
+            </a:lnRef>
+            <a:fillRef idx="1">
+              <a:schemeClr val="accent1"/>
+            </a:fillRef>
+            <a:effectRef idx="0">
+              <a:schemeClr val="accent1"/>
+            </a:effectRef>
+            <a:fontRef idx="minor">
+              <a:schemeClr val="lt1"/>
+            </a:fontRef>
+          </p:style>
+          <p:txBody>
+            <a:bodyPr rtlCol="0" anchor="ctr"/>
+            <a:lstStyle/>
+            <a:p>
+              <a:pPr algn="ctr"/>
+              <a:endParaRPr lang="ru-RU" sz="3200" dirty="0">
+                <a:latin typeface="Segoe UI" panose="020B0502040204020203" pitchFamily="34" charset="0"/>
+                <a:cs typeface="Segoe UI" panose="020B0502040204020203" pitchFamily="34" charset="0"/>
+              </a:endParaRPr>
+            </a:p>
+          </p:txBody>
+        </p:sp>
+        <p:sp>
+          <p:nvSpPr>
+            <p:cNvPr id="5" name="Прямоугольник 4">
+              <a:extLst>
+                <a:ext uri="{FF2B5EF4-FFF2-40B4-BE49-F238E27FC236}">
+                  <a16:creationId xmlns:a16="http://schemas.microsoft.com/office/drawing/2014/main" id="{2422299C-0F5D-B74D-2D5E-FA35D850CC65}"/>
+                </a:ext>
+              </a:extLst>
+            </p:cNvPr>
+            <p:cNvSpPr/>
+            <p:nvPr/>
+          </p:nvSpPr>
+          <p:spPr>
+            <a:xfrm>
+              <a:off x="4593027" y="3024188"/>
+              <a:ext cx="1800000" cy="676274"/>
+            </a:xfrm>
+            <a:prstGeom prst="rect">
+              <a:avLst/>
+            </a:prstGeom>
+            <a:solidFill>
+              <a:schemeClr val="tx1"/>
+            </a:solidFill>
+          </p:spPr>
+          <p:style>
+            <a:lnRef idx="2">
+              <a:schemeClr val="accent1">
+                <a:shade val="15000"/>
+              </a:schemeClr>
+            </a:lnRef>
+            <a:fillRef idx="1">
+              <a:schemeClr val="accent1"/>
+            </a:fillRef>
+            <a:effectRef idx="0">
+              <a:schemeClr val="accent1"/>
+            </a:effectRef>
+            <a:fontRef idx="minor">
+              <a:schemeClr val="lt1"/>
+            </a:fontRef>
+          </p:style>
+          <p:txBody>
+            <a:bodyPr rtlCol="0" anchor="ctr"/>
+            <a:lstStyle/>
+            <a:p>
+              <a:pPr algn="ctr"/>
+              <a:r>
+                <a:rPr lang="en-US" sz="1800" dirty="0">
+                  <a:latin typeface="Segoe UI" panose="020B0502040204020203" pitchFamily="34" charset="0"/>
+                  <a:cs typeface="Segoe UI" panose="020B0502040204020203" pitchFamily="34" charset="0"/>
+                </a:rPr>
+                <a:t>NO</a:t>
+              </a:r>
+            </a:p>
+            <a:p>
+              <a:pPr algn="ctr"/>
+              <a:r>
+                <a:rPr lang="en-US" sz="1800" dirty="0">
+                  <a:latin typeface="Segoe UI" panose="020B0502040204020203" pitchFamily="34" charset="0"/>
+                  <a:cs typeface="Segoe UI" panose="020B0502040204020203" pitchFamily="34" charset="0"/>
+                </a:rPr>
+                <a:t>IMAGE</a:t>
+              </a:r>
+              <a:endParaRPr lang="ru-RU" sz="1800" dirty="0">
+                <a:latin typeface="Segoe UI" panose="020B0502040204020203" pitchFamily="34" charset="0"/>
+                <a:cs typeface="Segoe UI" panose="020B0502040204020203" pitchFamily="34" charset="0"/>
+              </a:endParaRPr>
+            </a:p>
+          </p:txBody>
+        </p:sp>
+      </p:grpSp>
+    </p:spTree>
+    <p:extLst>
+      <p:ext uri="{BB962C8B-B14F-4D97-AF65-F5344CB8AC3E}">
+        <p14:creationId xmlns:p14="http://schemas.microsoft.com/office/powerpoint/2010/main" val="1660918418"/>
+      </p:ext>
+    </p:extLst>
+  </p:cSld>
+  <p:clrMapOvr>
+    <a:masterClrMapping/>
+  </p:clrMapOvr>
+</p:sld>
+</file>
+
+<file path=ppt/slides/slide3.xml><?xml version="1.0" encoding="utf-8"?>
+<p:sld xmlns:a="http://schemas.openxmlformats.org/drawingml/2006/main" xmlns:r="http://schemas.openxmlformats.org/officeDocument/2006/relationships" xmlns:p="http://schemas.openxmlformats.org/presentationml/2006/main">
+  <p:cSld>
+    <p:spTree>
+      <p:nvGrpSpPr>
+        <p:cNvPr id="1" name=""/>
+        <p:cNvGrpSpPr/>
+        <p:nvPr/>
+      </p:nvGrpSpPr>
+      <p:grpSpPr>
+        <a:xfrm>
+          <a:off x="0" y="0"/>
+          <a:ext cx="0" cy="0"/>
+          <a:chOff x="0" y="0"/>
+          <a:chExt cx="0" cy="0"/>
+        </a:xfrm>
+      </p:grpSpPr>
+    </p:spTree>
+    <p:extLst>
+      <p:ext uri="{BB962C8B-B14F-4D97-AF65-F5344CB8AC3E}">
+        <p14:creationId xmlns:p14="http://schemas.microsoft.com/office/powerpoint/2010/main" val="162419900"/>
       </p:ext>
     </p:extLst>
   </p:cSld>
